--- a/doc/Präsentation.pptx
+++ b/doc/Präsentation.pptx
@@ -4468,7 +4468,7 @@
           <a:p>
             <a:fld id="{3451C631-8FFB-48F5-B20D-2DA4FFDCA68F}" type="datetimeFigureOut">
               <a:rPr lang="de-DE" smtClean="0"/>
-              <a:t>03.02.2020</a:t>
+              <a:t>04.02.2020</a:t>
             </a:fld>
             <a:endParaRPr lang="de-DE"/>
           </a:p>
@@ -5026,7 +5026,7 @@
           <a:p>
             <a:fld id="{03F1A2EC-4A54-4F29-B7FC-3B25C74C3DCD}" type="datetimeFigureOut">
               <a:rPr lang="de-DE" smtClean="0"/>
-              <a:t>03.02.2020</a:t>
+              <a:t>04.02.2020</a:t>
             </a:fld>
             <a:endParaRPr lang="de-DE"/>
           </a:p>
@@ -5218,7 +5218,7 @@
           <a:p>
             <a:fld id="{03F1A2EC-4A54-4F29-B7FC-3B25C74C3DCD}" type="datetimeFigureOut">
               <a:rPr lang="de-DE" smtClean="0"/>
-              <a:t>03.02.2020</a:t>
+              <a:t>04.02.2020</a:t>
             </a:fld>
             <a:endParaRPr lang="de-DE"/>
           </a:p>
@@ -5398,7 +5398,7 @@
           <a:p>
             <a:fld id="{03F1A2EC-4A54-4F29-B7FC-3B25C74C3DCD}" type="datetimeFigureOut">
               <a:rPr lang="de-DE" smtClean="0"/>
-              <a:t>03.02.2020</a:t>
+              <a:t>04.02.2020</a:t>
             </a:fld>
             <a:endParaRPr lang="de-DE"/>
           </a:p>
@@ -5568,7 +5568,7 @@
           <a:p>
             <a:fld id="{03F1A2EC-4A54-4F29-B7FC-3B25C74C3DCD}" type="datetimeFigureOut">
               <a:rPr lang="de-DE" smtClean="0"/>
-              <a:t>03.02.2020</a:t>
+              <a:t>04.02.2020</a:t>
             </a:fld>
             <a:endParaRPr lang="de-DE"/>
           </a:p>
@@ -5822,7 +5822,7 @@
           <a:p>
             <a:fld id="{03F1A2EC-4A54-4F29-B7FC-3B25C74C3DCD}" type="datetimeFigureOut">
               <a:rPr lang="de-DE" smtClean="0"/>
-              <a:t>03.02.2020</a:t>
+              <a:t>04.02.2020</a:t>
             </a:fld>
             <a:endParaRPr lang="de-DE"/>
           </a:p>
@@ -6148,7 +6148,7 @@
           <a:p>
             <a:fld id="{03F1A2EC-4A54-4F29-B7FC-3B25C74C3DCD}" type="datetimeFigureOut">
               <a:rPr lang="de-DE" smtClean="0"/>
-              <a:t>03.02.2020</a:t>
+              <a:t>04.02.2020</a:t>
             </a:fld>
             <a:endParaRPr lang="de-DE"/>
           </a:p>
@@ -6568,7 +6568,7 @@
           <a:p>
             <a:fld id="{03F1A2EC-4A54-4F29-B7FC-3B25C74C3DCD}" type="datetimeFigureOut">
               <a:rPr lang="de-DE" smtClean="0"/>
-              <a:t>03.02.2020</a:t>
+              <a:t>04.02.2020</a:t>
             </a:fld>
             <a:endParaRPr lang="de-DE"/>
           </a:p>
@@ -6686,7 +6686,7 @@
           <a:p>
             <a:fld id="{03F1A2EC-4A54-4F29-B7FC-3B25C74C3DCD}" type="datetimeFigureOut">
               <a:rPr lang="de-DE" smtClean="0"/>
-              <a:t>03.02.2020</a:t>
+              <a:t>04.02.2020</a:t>
             </a:fld>
             <a:endParaRPr lang="de-DE"/>
           </a:p>
@@ -6781,7 +6781,7 @@
           <a:p>
             <a:fld id="{03F1A2EC-4A54-4F29-B7FC-3B25C74C3DCD}" type="datetimeFigureOut">
               <a:rPr lang="de-DE" smtClean="0"/>
-              <a:t>03.02.2020</a:t>
+              <a:t>04.02.2020</a:t>
             </a:fld>
             <a:endParaRPr lang="de-DE"/>
           </a:p>
@@ -7068,7 +7068,7 @@
           <a:p>
             <a:fld id="{03F1A2EC-4A54-4F29-B7FC-3B25C74C3DCD}" type="datetimeFigureOut">
               <a:rPr lang="de-DE" smtClean="0"/>
-              <a:t>03.02.2020</a:t>
+              <a:t>04.02.2020</a:t>
             </a:fld>
             <a:endParaRPr lang="de-DE"/>
           </a:p>
@@ -7390,7 +7390,7 @@
           <a:p>
             <a:fld id="{03F1A2EC-4A54-4F29-B7FC-3B25C74C3DCD}" type="datetimeFigureOut">
               <a:rPr lang="de-DE" smtClean="0"/>
-              <a:t>03.02.2020</a:t>
+              <a:t>04.02.2020</a:t>
             </a:fld>
             <a:endParaRPr lang="de-DE"/>
           </a:p>
@@ -7644,7 +7644,7 @@
           <a:p>
             <a:fld id="{03F1A2EC-4A54-4F29-B7FC-3B25C74C3DCD}" type="datetimeFigureOut">
               <a:rPr lang="de-DE" smtClean="0"/>
-              <a:t>03.02.2020</a:t>
+              <a:t>04.02.2020</a:t>
             </a:fld>
             <a:endParaRPr lang="de-DE"/>
           </a:p>
@@ -14891,8 +14891,8 @@
           </a:p>
         </p:txBody>
       </p:sp>
-      <mc:AlternateContent xmlns:mc="http://schemas.openxmlformats.org/markup-compatibility/2006">
-        <mc:Choice xmlns:a14="http://schemas.microsoft.com/office/drawing/2010/main" Requires="a14">
+      <mc:AlternateContent xmlns:mc="http://schemas.openxmlformats.org/markup-compatibility/2006" xmlns:a14="http://schemas.microsoft.com/office/drawing/2010/main">
+        <mc:Choice Requires="a14">
           <p:sp>
             <p:nvSpPr>
               <p:cNvPr id="6" name="Inhaltsplatzhalter 5">
@@ -15219,7 +15219,7 @@
             </p:txBody>
           </p:sp>
         </mc:Choice>
-        <mc:Fallback>
+        <mc:Fallback xmlns="">
           <p:sp>
             <p:nvSpPr>
               <p:cNvPr id="6" name="Inhaltsplatzhalter 5">
@@ -15472,8 +15472,8 @@
           </a:p>
         </p:txBody>
       </p:sp>
-      <mc:AlternateContent xmlns:mc="http://schemas.openxmlformats.org/markup-compatibility/2006">
-        <mc:Choice xmlns:a14="http://schemas.microsoft.com/office/drawing/2010/main" Requires="a14">
+      <mc:AlternateContent xmlns:mc="http://schemas.openxmlformats.org/markup-compatibility/2006" xmlns:a14="http://schemas.microsoft.com/office/drawing/2010/main">
+        <mc:Choice Requires="a14">
           <p:sp>
             <p:nvSpPr>
               <p:cNvPr id="6" name="Inhaltsplatzhalter 5">
@@ -15599,7 +15599,7 @@
             </p:txBody>
           </p:sp>
         </mc:Choice>
-        <mc:Fallback>
+        <mc:Fallback xmlns="">
           <p:sp>
             <p:nvSpPr>
               <p:cNvPr id="6" name="Inhaltsplatzhalter 5">
@@ -18030,7 +18030,18 @@
             </a:pPr>
             <a:r>
               <a:rPr lang="de-DE" dirty="0"/>
-              <a:t>Noch viele Möglichkeiten zur Analyse und Adaption </a:t>
+              <a:t>Noch viele weitere Faktoren möglich zum Einbeziehen in die Analyse und Adaption </a:t>
+            </a:r>
+          </a:p>
+          <a:p>
+            <a:pPr lvl="1">
+              <a:buClr>
+                <a:srgbClr val="FFFFFF"/>
+              </a:buClr>
+            </a:pPr>
+            <a:r>
+              <a:rPr lang="de-DE" dirty="0"/>
+              <a:t>Nutzer-Anmelde-Rate oder Routenlänge</a:t>
             </a:r>
           </a:p>
         </p:txBody>
@@ -18550,6 +18561,20 @@
               <a:t>AutonomousVehicles</a:t>
             </a:r>
             <a:endParaRPr lang="de-DE" dirty="0"/>
+          </a:p>
+          <a:p>
+            <a:pPr lvl="1"/>
+            <a:r>
+              <a:rPr lang="de-DE" dirty="0"/>
+              <a:t>Reverse-Routen für kürzere Distanzen</a:t>
+            </a:r>
+          </a:p>
+          <a:p>
+            <a:pPr lvl="2"/>
+            <a:r>
+              <a:rPr lang="de-DE" dirty="0"/>
+              <a:t>z.B. Strecke A-B-C-D, Nutzer möchte von D nach C</a:t>
+            </a:r>
           </a:p>
           <a:p>
             <a:pPr lvl="1"/>

--- a/doc/Präsentation.pptx
+++ b/doc/Präsentation.pptx
@@ -8788,7 +8788,18 @@
             </a:r>
           </a:p>
           <a:p>
-            <a:endParaRPr lang="de-DE" dirty="0"/>
+            <a:r>
+              <a:rPr lang="de-DE" dirty="0"/>
+              <a:t>Hinzufügen und Entfernen von Komponenten </a:t>
+            </a:r>
+            <a:r>
+              <a:rPr lang="de-DE"/>
+              <a:t>(Fahrzeuge/Nutzer) </a:t>
+            </a:r>
+            <a:r>
+              <a:rPr lang="de-DE" dirty="0"/>
+              <a:t>muss möglich sein</a:t>
+            </a:r>
           </a:p>
         </p:txBody>
       </p:sp>
@@ -15472,8 +15483,8 @@
           </a:p>
         </p:txBody>
       </p:sp>
-      <mc:AlternateContent xmlns:mc="http://schemas.openxmlformats.org/markup-compatibility/2006" xmlns:a14="http://schemas.microsoft.com/office/drawing/2010/main">
-        <mc:Choice Requires="a14">
+      <mc:AlternateContent xmlns:mc="http://schemas.openxmlformats.org/markup-compatibility/2006">
+        <mc:Choice xmlns:a14="http://schemas.microsoft.com/office/drawing/2010/main" Requires="a14">
           <p:sp>
             <p:nvSpPr>
               <p:cNvPr id="6" name="Inhaltsplatzhalter 5">
@@ -15501,6 +15512,31 @@
                 <a:normAutofit/>
               </a:bodyPr>
               <a:lstStyle/>
+              <a:p>
+                <a:pPr>
+                  <a:buClr>
+                    <a:srgbClr val="FFFFFF"/>
+                  </a:buClr>
+                </a:pPr>
+                <a:r>
+                  <a:rPr lang="de-DE" dirty="0"/>
+                  <a:t>Benötigte Distanz für Wechsel wird gegen </a:t>
+                </a:r>
+                <a14:m>
+                  <m:oMath xmlns:m="http://schemas.openxmlformats.org/officeDocument/2006/math">
+                    <m:r>
+                      <a:rPr lang="de-DE" i="1" dirty="0">
+                        <a:latin typeface="Cambria Math" panose="02040503050406030204" pitchFamily="18" charset="0"/>
+                      </a:rPr>
+                      <m:t>𝑐𝑜𝑠𝑡</m:t>
+                    </m:r>
+                  </m:oMath>
+                </a14:m>
+                <a:r>
+                  <a:rPr lang="de-DE" dirty="0"/>
+                  <a:t> gerechnet (erst ab einem Schwellwert z.B. 20km)</a:t>
+                </a:r>
+              </a:p>
               <a:p>
                 <a:pPr>
                   <a:buClr>
@@ -15599,7 +15635,7 @@
             </p:txBody>
           </p:sp>
         </mc:Choice>
-        <mc:Fallback xmlns="">
+        <mc:Fallback>
           <p:sp>
             <p:nvSpPr>
               <p:cNvPr id="6" name="Inhaltsplatzhalter 5">
@@ -15624,7 +15660,7 @@
               <a:blipFill>
                 <a:blip r:embed="rId2"/>
                 <a:stretch>
-                  <a:fillRect l="-189" t="-980"/>
+                  <a:fillRect l="-189" t="-1120"/>
                 </a:stretch>
               </a:blipFill>
             </p:spPr>
@@ -20776,14 +20812,14 @@
             <a:pPr lvl="1"/>
             <a:r>
               <a:rPr lang="de-DE" dirty="0"/>
-              <a:t>Hamburg: 2 Anmeldungen pro Minute</a:t>
+              <a:t>Hamburg: 1 Anmeldungen pro Minute</a:t>
             </a:r>
           </a:p>
           <a:p>
             <a:pPr lvl="1"/>
             <a:r>
               <a:rPr lang="de-DE" dirty="0"/>
-              <a:t>Lübeck: 6 Anmeldungen pro Minute</a:t>
+              <a:t>Lübeck: 5 Anmeldungen pro Minute</a:t>
             </a:r>
           </a:p>
         </p:txBody>

--- a/doc/Präsentation.pptx
+++ b/doc/Präsentation.pptx
@@ -23,8 +23,8 @@
     <p:sldId id="269" r:id="rId14"/>
     <p:sldId id="270" r:id="rId15"/>
     <p:sldId id="271" r:id="rId16"/>
-    <p:sldId id="280" r:id="rId17"/>
-    <p:sldId id="272" r:id="rId18"/>
+    <p:sldId id="272" r:id="rId17"/>
+    <p:sldId id="280" r:id="rId18"/>
     <p:sldId id="273" r:id="rId19"/>
     <p:sldId id="275" r:id="rId20"/>
     <p:sldId id="274" r:id="rId21"/>
@@ -8215,7 +8215,7 @@
         </p:spPr>
         <p:txBody>
           <a:bodyPr vert="horz" lIns="91440" tIns="45720" rIns="91440" bIns="45720" rtlCol="0" anchor="ctr" anchorCtr="0">
-            <a:normAutofit/>
+            <a:normAutofit fontScale="90000"/>
           </a:bodyPr>
           <a:lstStyle/>
           <a:p>
@@ -8329,6 +8329,41 @@
                 <a:cs typeface="Linux Libertine Display G" panose="02000503000000000000" pitchFamily="2" charset="0"/>
               </a:rPr>
               <a:t>“</a:t>
+            </a:r>
+          </a:p>
+        </p:txBody>
+      </p:sp>
+      <p:sp>
+        <p:nvSpPr>
+          <p:cNvPr id="3" name="Textfeld 2">
+            <a:extLst>
+              <a:ext uri="{FF2B5EF4-FFF2-40B4-BE49-F238E27FC236}">
+                <a16:creationId xmlns:a16="http://schemas.microsoft.com/office/drawing/2014/main" id="{721B85E0-38EF-44A2-8BC8-102B3C3BCF28}"/>
+              </a:ext>
+            </a:extLst>
+          </p:cNvPr>
+          <p:cNvSpPr txBox="1"/>
+          <p:nvPr/>
+        </p:nvSpPr>
+        <p:spPr>
+          <a:xfrm>
+            <a:off x="184639" y="6580991"/>
+            <a:ext cx="6970178" cy="276999"/>
+          </a:xfrm>
+          <a:prstGeom prst="rect">
+            <a:avLst/>
+          </a:prstGeom>
+          <a:noFill/>
+        </p:spPr>
+        <p:txBody>
+          <a:bodyPr wrap="none" rtlCol="0">
+            <a:spAutoFit/>
+          </a:bodyPr>
+          <a:lstStyle/>
+          <a:p>
+            <a:r>
+              <a:rPr lang="de-DE" sz="1200" dirty="0"/>
+              <a:t> Modifiziert, Original: https://www.engadget.com/2017/12/04/vw-moia-ride-sharing-electric-van/</a:t>
             </a:r>
           </a:p>
         </p:txBody>
@@ -8778,7 +8813,7 @@
           <a:p>
             <a:r>
               <a:rPr lang="de-DE" dirty="0"/>
-              <a:t>Jeder Nutzer kommt letztendlich an</a:t>
+              <a:t>Jeder Nutzer kommt irgendwann an</a:t>
             </a:r>
           </a:p>
           <a:p>
@@ -8790,15 +8825,7 @@
           <a:p>
             <a:r>
               <a:rPr lang="de-DE" dirty="0"/>
-              <a:t>Hinzufügen und Entfernen von Komponenten </a:t>
-            </a:r>
-            <a:r>
-              <a:rPr lang="de-DE"/>
-              <a:t>(Fahrzeuge/Nutzer) </a:t>
-            </a:r>
-            <a:r>
-              <a:rPr lang="de-DE" dirty="0"/>
-              <a:t>muss möglich sein</a:t>
+              <a:t>Hinzufügen und Entfernen von Komponenten (Fahrzeuge/Nutzer) muss möglich sein</a:t>
             </a:r>
           </a:p>
         </p:txBody>
@@ -10263,6 +10290,299 @@
               <a:rPr lang="de-DE" dirty="0"/>
               <a:t>Modellierung</a:t>
             </a:r>
+            <a:br>
+              <a:rPr lang="de-DE" dirty="0"/>
+            </a:br>
+            <a:r>
+              <a:rPr lang="de-DE" sz="3200" dirty="0"/>
+              <a:t>-</a:t>
+            </a:r>
+            <a:r>
+              <a:rPr lang="de-DE" sz="3200" dirty="0" err="1"/>
+              <a:t>Uppaal</a:t>
+            </a:r>
+            <a:r>
+              <a:rPr lang="de-DE" sz="3200" dirty="0"/>
+              <a:t>: Fazit</a:t>
+            </a:r>
+            <a:endParaRPr lang="de-DE" dirty="0"/>
+          </a:p>
+        </p:txBody>
+      </p:sp>
+      <p:sp>
+        <p:nvSpPr>
+          <p:cNvPr id="6" name="Inhaltsplatzhalter 5">
+            <a:extLst>
+              <a:ext uri="{FF2B5EF4-FFF2-40B4-BE49-F238E27FC236}">
+                <a16:creationId xmlns:a16="http://schemas.microsoft.com/office/drawing/2014/main" id="{23570552-C75C-41C1-872B-143457ED4C40}"/>
+              </a:ext>
+            </a:extLst>
+          </p:cNvPr>
+          <p:cNvSpPr>
+            <a:spLocks noGrp="1"/>
+          </p:cNvSpPr>
+          <p:nvPr>
+            <p:ph idx="1"/>
+          </p:nvPr>
+        </p:nvSpPr>
+        <p:spPr>
+          <a:xfrm>
+            <a:off x="946404" y="1828800"/>
+            <a:ext cx="6446520" cy="4351337"/>
+          </a:xfrm>
+        </p:spPr>
+        <p:txBody>
+          <a:bodyPr>
+            <a:normAutofit/>
+          </a:bodyPr>
+          <a:lstStyle/>
+          <a:p>
+            <a:pPr>
+              <a:buClr>
+                <a:srgbClr val="FFFFFF"/>
+              </a:buClr>
+            </a:pPr>
+            <a:r>
+              <a:rPr lang="de-DE" dirty="0"/>
+              <a:t>Verifikationsziele zeigen Grenzen des Systems auf, die bei der Implementierung berücksichtigt werden müssen, z.B.</a:t>
+            </a:r>
+          </a:p>
+          <a:p>
+            <a:pPr>
+              <a:buClr>
+                <a:srgbClr val="FFFFFF"/>
+              </a:buClr>
+            </a:pPr>
+            <a:r>
+              <a:rPr lang="de-DE" dirty="0"/>
+              <a:t>Kommunikationsengpass Server-seitig</a:t>
+            </a:r>
+          </a:p>
+          <a:p>
+            <a:pPr lvl="1">
+              <a:buClr>
+                <a:srgbClr val="FFFFFF"/>
+              </a:buClr>
+            </a:pPr>
+            <a:r>
+              <a:rPr lang="de-DE" dirty="0"/>
+              <a:t>Betroffene Komponenten im Aktoren-Modell umsetzen</a:t>
+            </a:r>
+          </a:p>
+          <a:p>
+            <a:pPr>
+              <a:buClr>
+                <a:srgbClr val="FFFFFF"/>
+              </a:buClr>
+            </a:pPr>
+            <a:r>
+              <a:rPr lang="de-DE" dirty="0"/>
+              <a:t>Prüfen der Werte auf Integrität</a:t>
+            </a:r>
+          </a:p>
+          <a:p>
+            <a:pPr lvl="1">
+              <a:buClr>
+                <a:srgbClr val="FFFFFF"/>
+              </a:buClr>
+            </a:pPr>
+            <a:r>
+              <a:rPr lang="de-DE" dirty="0"/>
+              <a:t>z.B. Fahrzeug das letzte Wort bei der Aufnahme lassen</a:t>
+            </a:r>
+          </a:p>
+        </p:txBody>
+      </p:sp>
+      <p:sp>
+        <p:nvSpPr>
+          <p:cNvPr id="13" name="Rectangle 12">
+            <a:extLst>
+              <a:ext uri="{FF2B5EF4-FFF2-40B4-BE49-F238E27FC236}">
+                <a16:creationId xmlns:a16="http://schemas.microsoft.com/office/drawing/2014/main" id="{6B424749-EEE0-49C9-9ABF-97B171A3EA00}"/>
+              </a:ext>
+              <a:ext uri="{C183D7F6-B498-43B3-948B-1728B52AA6E4}">
+                <adec:decorative xmlns:adec="http://schemas.microsoft.com/office/drawing/2017/decorative" val="1"/>
+              </a:ext>
+            </a:extLst>
+          </p:cNvPr>
+          <p:cNvSpPr>
+            <a:spLocks noGrp="1" noRot="1" noChangeAspect="1" noMove="1" noResize="1" noEditPoints="1" noAdjustHandles="1" noChangeArrowheads="1" noChangeShapeType="1" noTextEdit="1"/>
+          </p:cNvSpPr>
+          <p:nvPr>
+            <p:extLst>
+              <p:ext uri="{386F3935-93C4-4BCD-93E2-E3B085C9AB24}">
+                <p16:designElem xmlns:p16="http://schemas.microsoft.com/office/powerpoint/2015/main" val="1"/>
+              </p:ext>
+            </p:extLst>
+          </p:nvPr>
+        </p:nvSpPr>
+        <p:spPr>
+          <a:xfrm>
+            <a:off x="8458200" y="0"/>
+            <a:ext cx="685800" cy="6858000"/>
+          </a:xfrm>
+          <a:prstGeom prst="rect">
+            <a:avLst/>
+          </a:prstGeom>
+          <a:solidFill>
+            <a:schemeClr val="tx2">
+              <a:lumMod val="75000"/>
+            </a:schemeClr>
+          </a:solidFill>
+          <a:ln>
+            <a:noFill/>
+          </a:ln>
+        </p:spPr>
+        <p:style>
+          <a:lnRef idx="2">
+            <a:schemeClr val="accent1">
+              <a:shade val="50000"/>
+            </a:schemeClr>
+          </a:lnRef>
+          <a:fillRef idx="1">
+            <a:schemeClr val="accent1"/>
+          </a:fillRef>
+          <a:effectRef idx="0">
+            <a:schemeClr val="accent1"/>
+          </a:effectRef>
+          <a:fontRef idx="minor">
+            <a:schemeClr val="lt1"/>
+          </a:fontRef>
+        </p:style>
+      </p:sp>
+    </p:spTree>
+    <p:extLst>
+      <p:ext uri="{BB962C8B-B14F-4D97-AF65-F5344CB8AC3E}">
+        <p14:creationId xmlns:p14="http://schemas.microsoft.com/office/powerpoint/2010/main" val="2904239511"/>
+      </p:ext>
+    </p:extLst>
+  </p:cSld>
+  <p:clrMapOvr>
+    <a:overrideClrMapping bg1="dk1" tx1="lt1" bg2="dk2" tx2="lt2" accent1="accent1" accent2="accent2" accent3="accent3" accent4="accent4" accent5="accent5" accent6="accent6" hlink="hlink" folHlink="folHlink"/>
+  </p:clrMapOvr>
+</p:sld>
+</file>
+
+<file path=ppt/slides/slide17.xml><?xml version="1.0" encoding="utf-8"?>
+<p:sld xmlns:a="http://schemas.openxmlformats.org/drawingml/2006/main" xmlns:r="http://schemas.openxmlformats.org/officeDocument/2006/relationships" xmlns:p="http://schemas.openxmlformats.org/presentationml/2006/main">
+  <p:cSld>
+    <p:bg>
+      <p:bgPr>
+        <a:solidFill>
+          <a:schemeClr val="bg1">
+            <a:tint val="95000"/>
+            <a:satMod val="170000"/>
+          </a:schemeClr>
+        </a:solidFill>
+        <a:effectLst/>
+      </p:bgPr>
+    </p:bg>
+    <p:spTree>
+      <p:nvGrpSpPr>
+        <p:cNvPr id="1" name=""/>
+        <p:cNvGrpSpPr/>
+        <p:nvPr/>
+      </p:nvGrpSpPr>
+      <p:grpSpPr>
+        <a:xfrm>
+          <a:off x="0" y="0"/>
+          <a:ext cx="0" cy="0"/>
+          <a:chOff x="0" y="0"/>
+          <a:chExt cx="0" cy="0"/>
+        </a:xfrm>
+      </p:grpSpPr>
+      <p:sp useBgFill="1">
+        <p:nvSpPr>
+          <p:cNvPr id="11" name="Rectangle 10">
+            <a:extLst>
+              <a:ext uri="{FF2B5EF4-FFF2-40B4-BE49-F238E27FC236}">
+                <a16:creationId xmlns:a16="http://schemas.microsoft.com/office/drawing/2014/main" id="{5DB0431E-0B04-44A1-9C51-531E28D18A60}"/>
+              </a:ext>
+              <a:ext uri="{C183D7F6-B498-43B3-948B-1728B52AA6E4}">
+                <adec:decorative xmlns:adec="http://schemas.microsoft.com/office/drawing/2017/decorative" val="1"/>
+              </a:ext>
+            </a:extLst>
+          </p:cNvPr>
+          <p:cNvSpPr>
+            <a:spLocks noGrp="1" noRot="1" noChangeAspect="1" noMove="1" noResize="1" noEditPoints="1" noAdjustHandles="1" noChangeArrowheads="1" noChangeShapeType="1" noTextEdit="1"/>
+          </p:cNvSpPr>
+          <p:nvPr>
+            <p:extLst>
+              <p:ext uri="{386F3935-93C4-4BCD-93E2-E3B085C9AB24}">
+                <p16:designElem xmlns:p16="http://schemas.microsoft.com/office/powerpoint/2015/main" val="1"/>
+              </p:ext>
+            </p:extLst>
+          </p:nvPr>
+        </p:nvSpPr>
+        <p:spPr>
+          <a:xfrm>
+            <a:off x="0" y="0"/>
+            <a:ext cx="9144000" cy="6858000"/>
+          </a:xfrm>
+          <a:prstGeom prst="rect">
+            <a:avLst/>
+          </a:prstGeom>
+          <a:ln>
+            <a:noFill/>
+          </a:ln>
+        </p:spPr>
+        <p:style>
+          <a:lnRef idx="2">
+            <a:schemeClr val="accent1">
+              <a:shade val="50000"/>
+            </a:schemeClr>
+          </a:lnRef>
+          <a:fillRef idx="1">
+            <a:schemeClr val="accent1"/>
+          </a:fillRef>
+          <a:effectRef idx="0">
+            <a:schemeClr val="accent1"/>
+          </a:effectRef>
+          <a:fontRef idx="minor">
+            <a:schemeClr val="lt1"/>
+          </a:fontRef>
+        </p:style>
+        <p:txBody>
+          <a:bodyPr rtlCol="0" anchor="ctr"/>
+          <a:lstStyle/>
+          <a:p>
+            <a:pPr algn="ctr"/>
+            <a:endParaRPr lang="en-US"/>
+          </a:p>
+        </p:txBody>
+      </p:sp>
+      <p:sp>
+        <p:nvSpPr>
+          <p:cNvPr id="2" name="Titel 1">
+            <a:extLst>
+              <a:ext uri="{FF2B5EF4-FFF2-40B4-BE49-F238E27FC236}">
+                <a16:creationId xmlns:a16="http://schemas.microsoft.com/office/drawing/2014/main" id="{437EFB74-483C-4595-A792-0127B89DE3E9}"/>
+              </a:ext>
+            </a:extLst>
+          </p:cNvPr>
+          <p:cNvSpPr>
+            <a:spLocks noGrp="1"/>
+          </p:cNvSpPr>
+          <p:nvPr>
+            <p:ph type="title"/>
+          </p:nvPr>
+        </p:nvSpPr>
+        <p:spPr>
+          <a:xfrm>
+            <a:off x="946404" y="365760"/>
+            <a:ext cx="7269480" cy="1325562"/>
+          </a:xfrm>
+        </p:spPr>
+        <p:txBody>
+          <a:bodyPr>
+            <a:normAutofit/>
+          </a:bodyPr>
+          <a:lstStyle/>
+          <a:p>
+            <a:r>
+              <a:rPr lang="de-DE" dirty="0"/>
+              <a:t>Modellierung</a:t>
+            </a:r>
           </a:p>
         </p:txBody>
       </p:sp>
@@ -10397,299 +10717,6 @@
     <p:extLst>
       <p:ext uri="{BB962C8B-B14F-4D97-AF65-F5344CB8AC3E}">
         <p14:creationId xmlns:p14="http://schemas.microsoft.com/office/powerpoint/2010/main" val="1162662773"/>
-      </p:ext>
-    </p:extLst>
-  </p:cSld>
-  <p:clrMapOvr>
-    <a:overrideClrMapping bg1="dk1" tx1="lt1" bg2="dk2" tx2="lt2" accent1="accent1" accent2="accent2" accent3="accent3" accent4="accent4" accent5="accent5" accent6="accent6" hlink="hlink" folHlink="folHlink"/>
-  </p:clrMapOvr>
-</p:sld>
-</file>
-
-<file path=ppt/slides/slide17.xml><?xml version="1.0" encoding="utf-8"?>
-<p:sld xmlns:a="http://schemas.openxmlformats.org/drawingml/2006/main" xmlns:r="http://schemas.openxmlformats.org/officeDocument/2006/relationships" xmlns:p="http://schemas.openxmlformats.org/presentationml/2006/main">
-  <p:cSld>
-    <p:bg>
-      <p:bgPr>
-        <a:solidFill>
-          <a:schemeClr val="bg1">
-            <a:tint val="95000"/>
-            <a:satMod val="170000"/>
-          </a:schemeClr>
-        </a:solidFill>
-        <a:effectLst/>
-      </p:bgPr>
-    </p:bg>
-    <p:spTree>
-      <p:nvGrpSpPr>
-        <p:cNvPr id="1" name=""/>
-        <p:cNvGrpSpPr/>
-        <p:nvPr/>
-      </p:nvGrpSpPr>
-      <p:grpSpPr>
-        <a:xfrm>
-          <a:off x="0" y="0"/>
-          <a:ext cx="0" cy="0"/>
-          <a:chOff x="0" y="0"/>
-          <a:chExt cx="0" cy="0"/>
-        </a:xfrm>
-      </p:grpSpPr>
-      <p:sp useBgFill="1">
-        <p:nvSpPr>
-          <p:cNvPr id="11" name="Rectangle 10">
-            <a:extLst>
-              <a:ext uri="{FF2B5EF4-FFF2-40B4-BE49-F238E27FC236}">
-                <a16:creationId xmlns:a16="http://schemas.microsoft.com/office/drawing/2014/main" id="{5DB0431E-0B04-44A1-9C51-531E28D18A60}"/>
-              </a:ext>
-              <a:ext uri="{C183D7F6-B498-43B3-948B-1728B52AA6E4}">
-                <adec:decorative xmlns:adec="http://schemas.microsoft.com/office/drawing/2017/decorative" val="1"/>
-              </a:ext>
-            </a:extLst>
-          </p:cNvPr>
-          <p:cNvSpPr>
-            <a:spLocks noGrp="1" noRot="1" noChangeAspect="1" noMove="1" noResize="1" noEditPoints="1" noAdjustHandles="1" noChangeArrowheads="1" noChangeShapeType="1" noTextEdit="1"/>
-          </p:cNvSpPr>
-          <p:nvPr>
-            <p:extLst>
-              <p:ext uri="{386F3935-93C4-4BCD-93E2-E3B085C9AB24}">
-                <p16:designElem xmlns:p16="http://schemas.microsoft.com/office/powerpoint/2015/main" val="1"/>
-              </p:ext>
-            </p:extLst>
-          </p:nvPr>
-        </p:nvSpPr>
-        <p:spPr>
-          <a:xfrm>
-            <a:off x="0" y="0"/>
-            <a:ext cx="9144000" cy="6858000"/>
-          </a:xfrm>
-          <a:prstGeom prst="rect">
-            <a:avLst/>
-          </a:prstGeom>
-          <a:ln>
-            <a:noFill/>
-          </a:ln>
-        </p:spPr>
-        <p:style>
-          <a:lnRef idx="2">
-            <a:schemeClr val="accent1">
-              <a:shade val="50000"/>
-            </a:schemeClr>
-          </a:lnRef>
-          <a:fillRef idx="1">
-            <a:schemeClr val="accent1"/>
-          </a:fillRef>
-          <a:effectRef idx="0">
-            <a:schemeClr val="accent1"/>
-          </a:effectRef>
-          <a:fontRef idx="minor">
-            <a:schemeClr val="lt1"/>
-          </a:fontRef>
-        </p:style>
-        <p:txBody>
-          <a:bodyPr rtlCol="0" anchor="ctr"/>
-          <a:lstStyle/>
-          <a:p>
-            <a:pPr algn="ctr"/>
-            <a:endParaRPr lang="en-US"/>
-          </a:p>
-        </p:txBody>
-      </p:sp>
-      <p:sp>
-        <p:nvSpPr>
-          <p:cNvPr id="2" name="Titel 1">
-            <a:extLst>
-              <a:ext uri="{FF2B5EF4-FFF2-40B4-BE49-F238E27FC236}">
-                <a16:creationId xmlns:a16="http://schemas.microsoft.com/office/drawing/2014/main" id="{437EFB74-483C-4595-A792-0127B89DE3E9}"/>
-              </a:ext>
-            </a:extLst>
-          </p:cNvPr>
-          <p:cNvSpPr>
-            <a:spLocks noGrp="1"/>
-          </p:cNvSpPr>
-          <p:nvPr>
-            <p:ph type="title"/>
-          </p:nvPr>
-        </p:nvSpPr>
-        <p:spPr>
-          <a:xfrm>
-            <a:off x="946404" y="365760"/>
-            <a:ext cx="7269480" cy="1325562"/>
-          </a:xfrm>
-        </p:spPr>
-        <p:txBody>
-          <a:bodyPr>
-            <a:normAutofit/>
-          </a:bodyPr>
-          <a:lstStyle/>
-          <a:p>
-            <a:r>
-              <a:rPr lang="de-DE" dirty="0"/>
-              <a:t>Modellierung</a:t>
-            </a:r>
-            <a:br>
-              <a:rPr lang="de-DE" dirty="0"/>
-            </a:br>
-            <a:r>
-              <a:rPr lang="de-DE" sz="3200" dirty="0"/>
-              <a:t>-</a:t>
-            </a:r>
-            <a:r>
-              <a:rPr lang="de-DE" sz="3200" dirty="0" err="1"/>
-              <a:t>Uppaal</a:t>
-            </a:r>
-            <a:r>
-              <a:rPr lang="de-DE" sz="3200" dirty="0"/>
-              <a:t>: Fazit</a:t>
-            </a:r>
-            <a:endParaRPr lang="de-DE" dirty="0"/>
-          </a:p>
-        </p:txBody>
-      </p:sp>
-      <p:sp>
-        <p:nvSpPr>
-          <p:cNvPr id="6" name="Inhaltsplatzhalter 5">
-            <a:extLst>
-              <a:ext uri="{FF2B5EF4-FFF2-40B4-BE49-F238E27FC236}">
-                <a16:creationId xmlns:a16="http://schemas.microsoft.com/office/drawing/2014/main" id="{23570552-C75C-41C1-872B-143457ED4C40}"/>
-              </a:ext>
-            </a:extLst>
-          </p:cNvPr>
-          <p:cNvSpPr>
-            <a:spLocks noGrp="1"/>
-          </p:cNvSpPr>
-          <p:nvPr>
-            <p:ph idx="1"/>
-          </p:nvPr>
-        </p:nvSpPr>
-        <p:spPr>
-          <a:xfrm>
-            <a:off x="946404" y="1828800"/>
-            <a:ext cx="6446520" cy="4351337"/>
-          </a:xfrm>
-        </p:spPr>
-        <p:txBody>
-          <a:bodyPr>
-            <a:normAutofit/>
-          </a:bodyPr>
-          <a:lstStyle/>
-          <a:p>
-            <a:pPr>
-              <a:buClr>
-                <a:srgbClr val="FFFFFF"/>
-              </a:buClr>
-            </a:pPr>
-            <a:r>
-              <a:rPr lang="de-DE" dirty="0"/>
-              <a:t>Verifikationsziele zeigen Grenzen des Systems auf, die bei der Implementierung berücksichtigt werden müssen, z.B.</a:t>
-            </a:r>
-          </a:p>
-          <a:p>
-            <a:pPr>
-              <a:buClr>
-                <a:srgbClr val="FFFFFF"/>
-              </a:buClr>
-            </a:pPr>
-            <a:r>
-              <a:rPr lang="de-DE" dirty="0"/>
-              <a:t>Kommunikationsengpass Server-seitig</a:t>
-            </a:r>
-          </a:p>
-          <a:p>
-            <a:pPr lvl="1">
-              <a:buClr>
-                <a:srgbClr val="FFFFFF"/>
-              </a:buClr>
-            </a:pPr>
-            <a:r>
-              <a:rPr lang="de-DE" dirty="0"/>
-              <a:t>Betroffene Komponenten im Aktoren-Modell umsetzen</a:t>
-            </a:r>
-          </a:p>
-          <a:p>
-            <a:pPr>
-              <a:buClr>
-                <a:srgbClr val="FFFFFF"/>
-              </a:buClr>
-            </a:pPr>
-            <a:r>
-              <a:rPr lang="de-DE" dirty="0"/>
-              <a:t>Prüfen der Werte auf Integrität</a:t>
-            </a:r>
-          </a:p>
-          <a:p>
-            <a:pPr lvl="1">
-              <a:buClr>
-                <a:srgbClr val="FFFFFF"/>
-              </a:buClr>
-            </a:pPr>
-            <a:r>
-              <a:rPr lang="de-DE" dirty="0"/>
-              <a:t>z.B. Fahrzeug das letzte Wort bei der Aufnahme lassen</a:t>
-            </a:r>
-          </a:p>
-        </p:txBody>
-      </p:sp>
-      <p:sp>
-        <p:nvSpPr>
-          <p:cNvPr id="13" name="Rectangle 12">
-            <a:extLst>
-              <a:ext uri="{FF2B5EF4-FFF2-40B4-BE49-F238E27FC236}">
-                <a16:creationId xmlns:a16="http://schemas.microsoft.com/office/drawing/2014/main" id="{6B424749-EEE0-49C9-9ABF-97B171A3EA00}"/>
-              </a:ext>
-              <a:ext uri="{C183D7F6-B498-43B3-948B-1728B52AA6E4}">
-                <adec:decorative xmlns:adec="http://schemas.microsoft.com/office/drawing/2017/decorative" val="1"/>
-              </a:ext>
-            </a:extLst>
-          </p:cNvPr>
-          <p:cNvSpPr>
-            <a:spLocks noGrp="1" noRot="1" noChangeAspect="1" noMove="1" noResize="1" noEditPoints="1" noAdjustHandles="1" noChangeArrowheads="1" noChangeShapeType="1" noTextEdit="1"/>
-          </p:cNvSpPr>
-          <p:nvPr>
-            <p:extLst>
-              <p:ext uri="{386F3935-93C4-4BCD-93E2-E3B085C9AB24}">
-                <p16:designElem xmlns:p16="http://schemas.microsoft.com/office/powerpoint/2015/main" val="1"/>
-              </p:ext>
-            </p:extLst>
-          </p:nvPr>
-        </p:nvSpPr>
-        <p:spPr>
-          <a:xfrm>
-            <a:off x="8458200" y="0"/>
-            <a:ext cx="685800" cy="6858000"/>
-          </a:xfrm>
-          <a:prstGeom prst="rect">
-            <a:avLst/>
-          </a:prstGeom>
-          <a:solidFill>
-            <a:schemeClr val="tx2">
-              <a:lumMod val="75000"/>
-            </a:schemeClr>
-          </a:solidFill>
-          <a:ln>
-            <a:noFill/>
-          </a:ln>
-        </p:spPr>
-        <p:style>
-          <a:lnRef idx="2">
-            <a:schemeClr val="accent1">
-              <a:shade val="50000"/>
-            </a:schemeClr>
-          </a:lnRef>
-          <a:fillRef idx="1">
-            <a:schemeClr val="accent1"/>
-          </a:fillRef>
-          <a:effectRef idx="0">
-            <a:schemeClr val="accent1"/>
-          </a:effectRef>
-          <a:fontRef idx="minor">
-            <a:schemeClr val="lt1"/>
-          </a:fontRef>
-        </p:style>
-      </p:sp>
-    </p:spTree>
-    <p:extLst>
-      <p:ext uri="{BB962C8B-B14F-4D97-AF65-F5344CB8AC3E}">
-        <p14:creationId xmlns:p14="http://schemas.microsoft.com/office/powerpoint/2010/main" val="2904239511"/>
       </p:ext>
     </p:extLst>
   </p:cSld>
@@ -15483,8 +15510,8 @@
           </a:p>
         </p:txBody>
       </p:sp>
-      <mc:AlternateContent xmlns:mc="http://schemas.openxmlformats.org/markup-compatibility/2006">
-        <mc:Choice xmlns:a14="http://schemas.microsoft.com/office/drawing/2010/main" Requires="a14">
+      <mc:AlternateContent xmlns:mc="http://schemas.openxmlformats.org/markup-compatibility/2006" xmlns:a14="http://schemas.microsoft.com/office/drawing/2010/main">
+        <mc:Choice Requires="a14">
           <p:sp>
             <p:nvSpPr>
               <p:cNvPr id="6" name="Inhaltsplatzhalter 5">
@@ -15602,7 +15629,7 @@
                 </a:r>
                 <a:r>
                   <a:rPr lang="de-DE" dirty="0"/>
-                  <a:t> einzeln mit Statistiken geprüft und bei positiv erwarteter Auswirkung angenommen</a:t>
+                  <a:t> zusammen mit Statistiken geprüft und bei positiv erwarteter Auswirkung angenommen</a:t>
                 </a:r>
               </a:p>
               <a:p>
@@ -15635,7 +15662,7 @@
             </p:txBody>
           </p:sp>
         </mc:Choice>
-        <mc:Fallback>
+        <mc:Fallback xmlns="">
           <p:sp>
             <p:nvSpPr>
               <p:cNvPr id="6" name="Inhaltsplatzhalter 5">
@@ -16235,6 +16262,17 @@
             </a:pPr>
             <a:r>
               <a:rPr lang="de-DE" dirty="0"/>
+              <a:t>Randomisierte Verteilung</a:t>
+            </a:r>
+          </a:p>
+          <a:p>
+            <a:pPr lvl="2">
+              <a:buClr>
+                <a:srgbClr val="FFFFFF"/>
+              </a:buClr>
+            </a:pPr>
+            <a:r>
+              <a:rPr lang="de-DE" dirty="0"/>
               <a:t>Faire Verteilung</a:t>
             </a:r>
           </a:p>
@@ -18080,6 +18118,17 @@
               <a:t>Nutzer-Anmelde-Rate oder Routenlänge</a:t>
             </a:r>
           </a:p>
+          <a:p>
+            <a:pPr lvl="1">
+              <a:buClr>
+                <a:srgbClr val="FFFFFF"/>
+              </a:buClr>
+            </a:pPr>
+            <a:r>
+              <a:rPr lang="de-DE" dirty="0"/>
+              <a:t>Prognosen anhand von Events</a:t>
+            </a:r>
+          </a:p>
         </p:txBody>
       </p:sp>
       <p:sp>
@@ -18272,6 +18321,14 @@
               <a:rPr lang="de-DE" dirty="0"/>
               <a:t>Fazit</a:t>
             </a:r>
+            <a:br>
+              <a:rPr lang="de-DE" dirty="0"/>
+            </a:br>
+            <a:r>
+              <a:rPr lang="de-DE" sz="3200" dirty="0"/>
+              <a:t>-Gesamt</a:t>
+            </a:r>
+            <a:endParaRPr lang="de-DE" dirty="0"/>
           </a:p>
         </p:txBody>
       </p:sp>
@@ -19412,7 +19469,7 @@
             <a:pPr lvl="1"/>
             <a:r>
               <a:rPr lang="de-DE" dirty="0"/>
-              <a:t>Erheben von Daten der System-Instanzen zur Analyse</a:t>
+              <a:t>Erheben von Daten der Komponenten zur Analyse</a:t>
             </a:r>
           </a:p>
           <a:p>
@@ -19425,7 +19482,37 @@
           <a:p>
             <a:r>
               <a:rPr lang="de-DE" dirty="0"/>
-              <a:t>Verteilbarkeit der System-Instanzen</a:t>
+              <a:t>Verteilbarkeit des Systems</a:t>
+            </a:r>
+          </a:p>
+          <a:p>
+            <a:pPr lvl="1"/>
+            <a:r>
+              <a:rPr lang="de-DE" dirty="0"/>
+              <a:t>Hohe globale Verfügbarkeit</a:t>
+            </a:r>
+          </a:p>
+          <a:p>
+            <a:pPr lvl="1"/>
+            <a:r>
+              <a:rPr lang="de-DE" dirty="0"/>
+              <a:t>Vermeidung von typischen Bottlenecks und Single-Point-</a:t>
+            </a:r>
+            <a:r>
+              <a:rPr lang="de-DE" dirty="0" err="1"/>
+              <a:t>of</a:t>
+            </a:r>
+            <a:r>
+              <a:rPr lang="de-DE" dirty="0"/>
+              <a:t>-</a:t>
+            </a:r>
+            <a:r>
+              <a:rPr lang="de-DE" dirty="0" err="1"/>
+              <a:t>Failure</a:t>
+            </a:r>
+            <a:r>
+              <a:rPr lang="de-DE" dirty="0"/>
+              <a:t> (v.a. Server-Anwendungen)</a:t>
             </a:r>
           </a:p>
           <a:p>
@@ -19683,6 +19770,25 @@
             </a:r>
           </a:p>
           <a:p>
+            <a:r>
+              <a:rPr lang="de-DE" dirty="0"/>
+              <a:t>Scheint erst seit kurzem realistisch</a:t>
+            </a:r>
+          </a:p>
+          <a:p>
+            <a:pPr lvl="1"/>
+            <a:r>
+              <a:rPr lang="de-DE" dirty="0"/>
+              <a:t>Steigende Rechenleistung (Vorteilhaft für größere Programme in Embedded Systems, z.B. in Fahrzeugen)</a:t>
+            </a:r>
+          </a:p>
+          <a:p>
+            <a:r>
+              <a:rPr lang="de-DE" dirty="0"/>
+              <a:t>Ähnliche Idee wird momentan von VW getestet und entwickelt (MOIA)</a:t>
+            </a:r>
+          </a:p>
+          <a:p>
             <a:endParaRPr lang="de-DE" dirty="0"/>
           </a:p>
           <a:p>
@@ -19920,20 +20026,32 @@
           <a:lstStyle/>
           <a:p>
             <a:r>
-              <a:rPr lang="de-DE" dirty="0"/>
-              <a:t>Selbstorganisation: Betrieb soll möglichst ohne menschliche Überwachung funktionieren</a:t>
-            </a:r>
-          </a:p>
-          <a:p>
-            <a:r>
-              <a:rPr lang="de-DE" dirty="0"/>
-              <a:t>Skalierung: System soll ausbaubar sein und Betrieb mit vielen Teilnehmern stabil bleiben</a:t>
-            </a:r>
-          </a:p>
-          <a:p>
-            <a:r>
-              <a:rPr lang="de-DE" dirty="0"/>
-              <a:t>Adaptivität: System soll Fahrzeuge „smart“ verteilen (Load </a:t>
+              <a:rPr lang="de-DE" u="sng" dirty="0"/>
+              <a:t>Selbstorganisation</a:t>
+            </a:r>
+            <a:r>
+              <a:rPr lang="de-DE" dirty="0"/>
+              <a:t>: Betrieb soll möglichst ohne menschliche Überwachung funktionieren</a:t>
+            </a:r>
+          </a:p>
+          <a:p>
+            <a:r>
+              <a:rPr lang="de-DE" u="sng" dirty="0"/>
+              <a:t>Skalierung</a:t>
+            </a:r>
+            <a:r>
+              <a:rPr lang="de-DE" dirty="0"/>
+              <a:t>: System soll ausbaubar sein und Betrieb mit vielen Teilnehmern stabil bleiben</a:t>
+            </a:r>
+          </a:p>
+          <a:p>
+            <a:r>
+              <a:rPr lang="de-DE" u="sng" dirty="0"/>
+              <a:t>Adaptivität</a:t>
+            </a:r>
+            <a:r>
+              <a:rPr lang="de-DE" dirty="0"/>
+              <a:t>: System soll Fahrzeuge „smart“ verteilen (Load </a:t>
             </a:r>
             <a:r>
               <a:rPr lang="de-DE" dirty="0" err="1"/>
@@ -19946,14 +20064,22 @@
           </a:p>
           <a:p>
             <a:r>
-              <a:rPr lang="de-DE" dirty="0"/>
-              <a:t>Nutzerkomfort: Schnittstelle für Endnutzer soll leichtgewichtig und einfach nutzbar sein, Endnutzer soll schnell befördert werden</a:t>
-            </a:r>
-          </a:p>
-          <a:p>
-            <a:r>
-              <a:rPr lang="de-DE" dirty="0"/>
-              <a:t>Robustheit: Kommunikationsausfall und Komponentenausfall soll kompensierbar sein</a:t>
+              <a:rPr lang="de-DE" u="sng" dirty="0"/>
+              <a:t>Nutzerkomfort</a:t>
+            </a:r>
+            <a:r>
+              <a:rPr lang="de-DE" dirty="0"/>
+              <a:t>: Schnittstelle für Endnutzer soll leichtgewichtig und einfach nutzbar sein, Endnutzer soll schnell befördert werden</a:t>
+            </a:r>
+          </a:p>
+          <a:p>
+            <a:r>
+              <a:rPr lang="de-DE" u="sng" dirty="0"/>
+              <a:t>Robustheit</a:t>
+            </a:r>
+            <a:r>
+              <a:rPr lang="de-DE" dirty="0"/>
+              <a:t>: Kommunikationsausfall und Komponentenausfall soll kompensierbar sein</a:t>
             </a:r>
           </a:p>
         </p:txBody>
@@ -20468,7 +20594,7 @@
           <a:p>
             <a:r>
               <a:rPr lang="de-DE" dirty="0"/>
-              <a:t>Feste Routen und „Kommandozeilen-Implementierung“ erlauben Fokus auf Kernziele</a:t>
+              <a:t>Vorprogrammierte Routen und „Kommandozeilen-Implementierung“ erlauben Fokus auf Kernziele</a:t>
             </a:r>
           </a:p>
           <a:p>
@@ -20495,7 +20621,7 @@
             <a:pPr lvl="1"/>
             <a:r>
               <a:rPr lang="de-DE" dirty="0"/>
-              <a:t>Erlaubt auch </a:t>
+              <a:t>Erlaubt </a:t>
             </a:r>
             <a:r>
               <a:rPr lang="de-DE" dirty="0" err="1"/>
@@ -20525,7 +20651,18 @@
               <a:rPr lang="de-DE" dirty="0" err="1"/>
               <a:t>One</a:t>
             </a:r>
-            <a:endParaRPr lang="de-DE" dirty="0"/>
+            <a:r>
+              <a:rPr lang="de-DE" dirty="0"/>
+              <a:t> und </a:t>
+            </a:r>
+            <a:r>
+              <a:rPr lang="de-DE" dirty="0" err="1"/>
+              <a:t>One-to-One</a:t>
+            </a:r>
+            <a:r>
+              <a:rPr lang="de-DE" dirty="0"/>
+              <a:t> (über UID)</a:t>
+            </a:r>
           </a:p>
           <a:p>
             <a:pPr lvl="1"/>
